--- a/05-express/express-introduction.pptx
+++ b/05-express/express-introduction.pptx
@@ -55,6 +55,7 @@
     <p:sldId id="300" r:id="rId52"/>
     <p:sldId id="301" r:id="rId53"/>
     <p:sldId id="302" r:id="rId54"/>
+    <p:sldId id="303" r:id="rId55"/>
   </p:sldIdLst>
   <p:sldSz cx="13004800" cy="9753600"/>
   <p:notesSz cx="6858000" cy="9144000"/>
@@ -20721,7 +20722,7 @@
       </p:grpSpPr>
       <p:sp>
         <p:nvSpPr>
-          <p:cNvPr id="355" name="Express Generator - arranging the files"/>
+          <p:cNvPr id="355" name="Express pattern - Error handling"/>
           <p:cNvSpPr txBox="1"/>
           <p:nvPr>
             <p:ph type="title"/>
@@ -20739,8 +20740,8 @@
         <p:txBody>
           <a:bodyPr/>
           <a:lstStyle>
-            <a:lvl1pPr algn="l" defTabSz="461518">
-              <a:defRPr sz="4740">
+            <a:lvl1pPr algn="l" defTabSz="467359">
+              <a:defRPr sz="4800">
                 <a:solidFill>
                   <a:srgbClr val="E62A59"/>
                 </a:solidFill>
@@ -20750,7 +20751,7 @@
           <a:p>
             <a:pPr/>
             <a:r>
-              <a:t>Express Generator - arranging the files</a:t>
+              <a:t>Express pattern - Error handling</a:t>
             </a:r>
           </a:p>
         </p:txBody>
@@ -20833,7 +20834,7 @@
       </p:sp>
       <p:sp>
         <p:nvSpPr>
-          <p:cNvPr id="358" name="The express generator helps you bootstrap an express project…"/>
+          <p:cNvPr id="358" name="Express already has an error handler that will catch error on sync code…"/>
           <p:cNvSpPr txBox="1"/>
           <p:nvPr/>
         </p:nvSpPr>
@@ -20872,7 +20873,7 @@
               <a:defRPr sz="2300"/>
             </a:pPr>
             <a:r>
-              <a:t>The express generator helps you bootstrap an express project</a:t>
+              <a:t>Express already has an error handler that will catch error on sync code</a:t>
             </a:r>
           </a:p>
           <a:p>
@@ -20888,7 +20889,7 @@
               <a:defRPr sz="2300"/>
             </a:pPr>
             <a:r>
-              <a:t>It will arrange the files in one of the recommended ways to arrange your project files</a:t>
+              <a:t>On async code we need to transfer the error to the next handler</a:t>
             </a:r>
           </a:p>
           <a:p>
@@ -20904,7 +20905,7 @@
               <a:defRPr sz="2300"/>
             </a:pPr>
             <a:r>
-              <a:t>It can connect a template engine</a:t>
+              <a:t>By default express will not catch errors in the async code</a:t>
             </a:r>
           </a:p>
           <a:p>
@@ -20920,34 +20921,7 @@
               <a:defRPr sz="2300"/>
             </a:pPr>
             <a:r>
-              <a:t>the package </a:t>
-            </a:r>
-            <a:r>
-              <a:rPr>
-                <a:solidFill>
-                  <a:srgbClr val="E62A59"/>
-                </a:solidFill>
-              </a:rPr>
-              <a:t>express-generator</a:t>
-            </a:r>
-            <a:r>
-              <a:t> is usually installed globaly</a:t>
-            </a:r>
-          </a:p>
-          <a:p>
-            <a:pPr marL="647700" indent="-647700" algn="l">
-              <a:lnSpc>
-                <a:spcPct val="150000"/>
-              </a:lnSpc>
-              <a:buClr>
-                <a:srgbClr val="E62A59"/>
-              </a:buClr>
-              <a:buSzPct val="145000"/>
-              <a:buChar char="‣"/>
-              <a:defRPr sz="2300"/>
-            </a:pPr>
-            <a:r>
-              <a:t>Let’s try and install this package and bootstrap a new application</a:t>
+              <a:t>you can place error handler by attaching app.use with a function that contains 4 arguments, the first one is the error and the rest is re, res, next</a:t>
             </a:r>
           </a:p>
           <a:p>
@@ -21173,7 +21147,7 @@
       </p:grpSpPr>
       <p:sp>
         <p:nvSpPr>
-          <p:cNvPr id="360" name="Summary"/>
+          <p:cNvPr id="360" name="Express Generator - arranging the files"/>
           <p:cNvSpPr txBox="1"/>
           <p:nvPr>
             <p:ph type="title"/>
@@ -21191,8 +21165,8 @@
         <p:txBody>
           <a:bodyPr/>
           <a:lstStyle>
-            <a:lvl1pPr algn="l" defTabSz="467359">
-              <a:defRPr sz="4800">
+            <a:lvl1pPr algn="l" defTabSz="461518">
+              <a:defRPr sz="4740">
                 <a:solidFill>
                   <a:srgbClr val="E62A59"/>
                 </a:solidFill>
@@ -21202,7 +21176,7 @@
           <a:p>
             <a:pPr/>
             <a:r>
-              <a:t>Summary</a:t>
+              <a:t>Express Generator - arranging the files</a:t>
             </a:r>
           </a:p>
         </p:txBody>
@@ -21285,7 +21259,459 @@
       </p:sp>
       <p:sp>
         <p:nvSpPr>
-          <p:cNvPr id="363" name="In this lesson we covered the patterns we use on an express application…"/>
+          <p:cNvPr id="363" name="The express generator helps you bootstrap an express project…"/>
+          <p:cNvSpPr txBox="1"/>
+          <p:nvPr/>
+        </p:nvSpPr>
+        <p:spPr>
+          <a:xfrm>
+            <a:off x="1178620" y="1612075"/>
+            <a:ext cx="10693400" cy="12090326"/>
+          </a:xfrm>
+          <a:prstGeom prst="rect">
+            <a:avLst/>
+          </a:prstGeom>
+          <a:ln w="12700">
+            <a:miter lim="400000"/>
+          </a:ln>
+          <a:extLst>
+            <a:ext uri="{C572A759-6A51-4108-AA02-DFA0A04FC94B}">
+              <ma14:wrappingTextBoxFlag xmlns:ma14="http://schemas.microsoft.com/office/mac/drawingml/2011/main" val="1"/>
+            </a:ext>
+          </a:extLst>
+        </p:spPr>
+        <p:txBody>
+          <a:bodyPr lIns="50800" tIns="50800" rIns="50800" bIns="50800">
+            <a:spAutoFit/>
+          </a:bodyPr>
+          <a:lstStyle/>
+          <a:p>
+            <a:pPr marL="647700" indent="-647700" algn="l">
+              <a:lnSpc>
+                <a:spcPct val="150000"/>
+              </a:lnSpc>
+              <a:buClr>
+                <a:srgbClr val="E62A59"/>
+              </a:buClr>
+              <a:buSzPct val="145000"/>
+              <a:buChar char="‣"/>
+              <a:defRPr sz="2300"/>
+            </a:pPr>
+            <a:r>
+              <a:t>The express generator helps you bootstrap an express project</a:t>
+            </a:r>
+          </a:p>
+          <a:p>
+            <a:pPr marL="647700" indent="-647700" algn="l">
+              <a:lnSpc>
+                <a:spcPct val="150000"/>
+              </a:lnSpc>
+              <a:buClr>
+                <a:srgbClr val="E62A59"/>
+              </a:buClr>
+              <a:buSzPct val="145000"/>
+              <a:buChar char="‣"/>
+              <a:defRPr sz="2300"/>
+            </a:pPr>
+            <a:r>
+              <a:t>It will arrange the files in one of the recommended ways to arrange your project files</a:t>
+            </a:r>
+          </a:p>
+          <a:p>
+            <a:pPr marL="647700" indent="-647700" algn="l">
+              <a:lnSpc>
+                <a:spcPct val="150000"/>
+              </a:lnSpc>
+              <a:buClr>
+                <a:srgbClr val="E62A59"/>
+              </a:buClr>
+              <a:buSzPct val="145000"/>
+              <a:buChar char="‣"/>
+              <a:defRPr sz="2300"/>
+            </a:pPr>
+            <a:r>
+              <a:t>It can connect a template engine</a:t>
+            </a:r>
+          </a:p>
+          <a:p>
+            <a:pPr marL="647700" indent="-647700" algn="l">
+              <a:lnSpc>
+                <a:spcPct val="150000"/>
+              </a:lnSpc>
+              <a:buClr>
+                <a:srgbClr val="E62A59"/>
+              </a:buClr>
+              <a:buSzPct val="145000"/>
+              <a:buChar char="‣"/>
+              <a:defRPr sz="2300"/>
+            </a:pPr>
+            <a:r>
+              <a:t>the package </a:t>
+            </a:r>
+            <a:r>
+              <a:rPr>
+                <a:solidFill>
+                  <a:srgbClr val="E62A59"/>
+                </a:solidFill>
+              </a:rPr>
+              <a:t>express-generator</a:t>
+            </a:r>
+            <a:r>
+              <a:t> is usually installed globaly</a:t>
+            </a:r>
+          </a:p>
+          <a:p>
+            <a:pPr marL="647700" indent="-647700" algn="l">
+              <a:lnSpc>
+                <a:spcPct val="150000"/>
+              </a:lnSpc>
+              <a:buClr>
+                <a:srgbClr val="E62A59"/>
+              </a:buClr>
+              <a:buSzPct val="145000"/>
+              <a:buChar char="‣"/>
+              <a:defRPr sz="2300"/>
+            </a:pPr>
+            <a:r>
+              <a:t>Let’s try and install this package and bootstrap a new application</a:t>
+            </a:r>
+          </a:p>
+          <a:p>
+            <a:pPr algn="l">
+              <a:lnSpc>
+                <a:spcPct val="150000"/>
+              </a:lnSpc>
+              <a:defRPr sz="2300"/>
+            </a:pPr>
+          </a:p>
+          <a:p>
+            <a:pPr marL="647700" indent="-647700" algn="l">
+              <a:lnSpc>
+                <a:spcPct val="150000"/>
+              </a:lnSpc>
+              <a:buClr>
+                <a:srgbClr val="E62A59"/>
+              </a:buClr>
+              <a:buSzPct val="145000"/>
+              <a:buChar char="‣"/>
+              <a:defRPr sz="2300"/>
+            </a:pPr>
+          </a:p>
+          <a:p>
+            <a:pPr marL="647700" indent="-647700" algn="l">
+              <a:lnSpc>
+                <a:spcPct val="150000"/>
+              </a:lnSpc>
+              <a:buClr>
+                <a:srgbClr val="E62A59"/>
+              </a:buClr>
+              <a:buSzPct val="145000"/>
+              <a:buChar char="‣"/>
+              <a:defRPr sz="2300"/>
+            </a:pPr>
+          </a:p>
+          <a:p>
+            <a:pPr lvl="1" marL="1092200" indent="-647700" algn="l">
+              <a:lnSpc>
+                <a:spcPct val="150000"/>
+              </a:lnSpc>
+              <a:buClr>
+                <a:srgbClr val="E62A59"/>
+              </a:buClr>
+              <a:buSzPct val="145000"/>
+              <a:buChar char="•"/>
+              <a:defRPr sz="2300"/>
+            </a:pPr>
+          </a:p>
+          <a:p>
+            <a:pPr algn="l">
+              <a:lnSpc>
+                <a:spcPct val="150000"/>
+              </a:lnSpc>
+              <a:defRPr sz="2300"/>
+            </a:pPr>
+          </a:p>
+          <a:p>
+            <a:pPr marL="647700" indent="-647700" algn="l">
+              <a:lnSpc>
+                <a:spcPct val="150000"/>
+              </a:lnSpc>
+              <a:buClr>
+                <a:srgbClr val="E62A59"/>
+              </a:buClr>
+              <a:buSzPct val="145000"/>
+              <a:buChar char="‣"/>
+              <a:defRPr sz="2300"/>
+            </a:pPr>
+          </a:p>
+          <a:p>
+            <a:pPr marL="647700" indent="-647700" algn="l">
+              <a:lnSpc>
+                <a:spcPct val="150000"/>
+              </a:lnSpc>
+              <a:buClr>
+                <a:srgbClr val="E62A59"/>
+              </a:buClr>
+              <a:buSzPct val="145000"/>
+              <a:buChar char="‣"/>
+              <a:defRPr sz="2300"/>
+            </a:pPr>
+          </a:p>
+          <a:p>
+            <a:pPr lvl="1" marL="1092200" indent="-647700" algn="l">
+              <a:lnSpc>
+                <a:spcPct val="150000"/>
+              </a:lnSpc>
+              <a:buClr>
+                <a:srgbClr val="E62A59"/>
+              </a:buClr>
+              <a:buSzPct val="145000"/>
+              <a:buChar char="•"/>
+              <a:defRPr sz="2300"/>
+            </a:pPr>
+          </a:p>
+          <a:p>
+            <a:pPr marL="647700" indent="-647700" algn="l">
+              <a:lnSpc>
+                <a:spcPct val="150000"/>
+              </a:lnSpc>
+              <a:buClr>
+                <a:srgbClr val="E62A59"/>
+              </a:buClr>
+              <a:buSzPct val="145000"/>
+              <a:buChar char="‣"/>
+              <a:defRPr sz="2300"/>
+            </a:pPr>
+          </a:p>
+          <a:p>
+            <a:pPr algn="l">
+              <a:lnSpc>
+                <a:spcPct val="150000"/>
+              </a:lnSpc>
+              <a:defRPr sz="2300"/>
+            </a:pPr>
+          </a:p>
+          <a:p>
+            <a:pPr lvl="1" marL="1092200" indent="-647700" algn="l">
+              <a:lnSpc>
+                <a:spcPct val="150000"/>
+              </a:lnSpc>
+              <a:buClr>
+                <a:srgbClr val="E62A59"/>
+              </a:buClr>
+              <a:buSzPct val="145000"/>
+              <a:buChar char="•"/>
+              <a:defRPr sz="2300"/>
+            </a:pPr>
+          </a:p>
+          <a:p>
+            <a:pPr lvl="1" marL="1092200" indent="-647700" algn="l">
+              <a:lnSpc>
+                <a:spcPct val="150000"/>
+              </a:lnSpc>
+              <a:buClr>
+                <a:srgbClr val="E62A59"/>
+              </a:buClr>
+              <a:buSzPct val="145000"/>
+              <a:buChar char="•"/>
+              <a:defRPr sz="2300"/>
+            </a:pPr>
+          </a:p>
+          <a:p>
+            <a:pPr lvl="1" marL="1092200" indent="-647700" algn="l">
+              <a:lnSpc>
+                <a:spcPct val="150000"/>
+              </a:lnSpc>
+              <a:buClr>
+                <a:srgbClr val="E62A59"/>
+              </a:buClr>
+              <a:buSzPct val="145000"/>
+              <a:buChar char="•"/>
+              <a:defRPr sz="2300"/>
+            </a:pPr>
+          </a:p>
+          <a:p>
+            <a:pPr marL="647700" indent="-647700" algn="l">
+              <a:lnSpc>
+                <a:spcPct val="150000"/>
+              </a:lnSpc>
+              <a:buClr>
+                <a:srgbClr val="E62A59"/>
+              </a:buClr>
+              <a:buSzPct val="145000"/>
+              <a:buChar char="‣"/>
+              <a:defRPr sz="2300"/>
+            </a:pPr>
+          </a:p>
+          <a:p>
+            <a:pPr marL="647700" indent="-647700" algn="l">
+              <a:lnSpc>
+                <a:spcPct val="150000"/>
+              </a:lnSpc>
+              <a:buClr>
+                <a:srgbClr val="E62A59"/>
+              </a:buClr>
+              <a:buSzPct val="145000"/>
+              <a:buChar char="‣"/>
+              <a:defRPr sz="2300"/>
+            </a:pPr>
+          </a:p>
+          <a:p>
+            <a:pPr marL="647700" indent="-647700" algn="l">
+              <a:lnSpc>
+                <a:spcPct val="150000"/>
+              </a:lnSpc>
+              <a:buClr>
+                <a:srgbClr val="E62A59"/>
+              </a:buClr>
+              <a:buSzPct val="145000"/>
+              <a:buChar char="‣"/>
+              <a:defRPr sz="2300"/>
+            </a:pPr>
+          </a:p>
+        </p:txBody>
+      </p:sp>
+    </p:spTree>
+  </p:cSld>
+  <p:clrMapOvr>
+    <a:masterClrMapping/>
+  </p:clrMapOvr>
+  <p:transition xmlns:p14="http://schemas.microsoft.com/office/powerpoint/2010/main" spd="med" advClick="1"/>
+</p:sld>
+</file>
+
+<file path=ppt/slides/slide48.xml><?xml version="1.0" encoding="utf-8"?>
+<p:sld xmlns:a="http://schemas.openxmlformats.org/drawingml/2006/main" xmlns:r="http://schemas.openxmlformats.org/officeDocument/2006/relationships" xmlns:p="http://schemas.openxmlformats.org/presentationml/2006/main" xmlns:m="http://schemas.openxmlformats.org/officeDocument/2006/math" xmlns:a14="http://schemas.microsoft.com/office/drawing/2010/main" showMasterSp="1" showMasterPhAnim="1">
+  <p:cSld>
+    <p:spTree>
+      <p:nvGrpSpPr>
+        <p:cNvPr id="1" name=""/>
+        <p:cNvGrpSpPr/>
+        <p:nvPr/>
+      </p:nvGrpSpPr>
+      <p:grpSpPr>
+        <a:xfrm>
+          <a:off x="0" y="0"/>
+          <a:ext cx="0" cy="0"/>
+          <a:chOff x="0" y="0"/>
+          <a:chExt cx="0" cy="0"/>
+        </a:xfrm>
+      </p:grpSpPr>
+      <p:sp>
+        <p:nvSpPr>
+          <p:cNvPr id="365" name="Summary"/>
+          <p:cNvSpPr txBox="1"/>
+          <p:nvPr>
+            <p:ph type="title"/>
+          </p:nvPr>
+        </p:nvSpPr>
+        <p:spPr>
+          <a:xfrm>
+            <a:off x="952500" y="254000"/>
+            <a:ext cx="10888564" cy="829359"/>
+          </a:xfrm>
+          <a:prstGeom prst="rect">
+            <a:avLst/>
+          </a:prstGeom>
+        </p:spPr>
+        <p:txBody>
+          <a:bodyPr/>
+          <a:lstStyle>
+            <a:lvl1pPr algn="l" defTabSz="467359">
+              <a:defRPr sz="4800">
+                <a:solidFill>
+                  <a:srgbClr val="E62A59"/>
+                </a:solidFill>
+              </a:defRPr>
+            </a:lvl1pPr>
+          </a:lstStyle>
+          <a:p>
+            <a:pPr/>
+            <a:r>
+              <a:t>Summary</a:t>
+            </a:r>
+          </a:p>
+        </p:txBody>
+      </p:sp>
+      <p:sp>
+        <p:nvSpPr>
+          <p:cNvPr id="366" name="Line"/>
+          <p:cNvSpPr/>
+          <p:nvPr/>
+        </p:nvSpPr>
+        <p:spPr>
+          <a:xfrm>
+            <a:off x="1155700" y="1333500"/>
+            <a:ext cx="10693400" cy="0"/>
+          </a:xfrm>
+          <a:prstGeom prst="line">
+            <a:avLst/>
+          </a:prstGeom>
+          <a:ln w="25400">
+            <a:solidFill>
+              <a:srgbClr val="E62A59"/>
+            </a:solidFill>
+            <a:miter lim="400000"/>
+          </a:ln>
+        </p:spPr>
+        <p:txBody>
+          <a:bodyPr lIns="50800" tIns="50800" rIns="50800" bIns="50800" anchor="ctr"/>
+          <a:lstStyle/>
+          <a:p>
+            <a:pPr>
+              <a:defRPr b="0" sz="2200">
+                <a:latin typeface="+mn-lt"/>
+                <a:ea typeface="+mn-ea"/>
+                <a:cs typeface="+mn-cs"/>
+                <a:sym typeface="Helvetica Neue Medium"/>
+              </a:defRPr>
+            </a:pPr>
+          </a:p>
+        </p:txBody>
+      </p:sp>
+      <p:sp>
+        <p:nvSpPr>
+          <p:cNvPr id="367" name="Copyright: Nerdeez LTD ®"/>
+          <p:cNvSpPr txBox="1"/>
+          <p:nvPr/>
+        </p:nvSpPr>
+        <p:spPr>
+          <a:xfrm>
+            <a:off x="1102309" y="9191028"/>
+            <a:ext cx="10693400" cy="312344"/>
+          </a:xfrm>
+          <a:prstGeom prst="rect">
+            <a:avLst/>
+          </a:prstGeom>
+          <a:ln w="12700">
+            <a:miter lim="400000"/>
+          </a:ln>
+          <a:extLst>
+            <a:ext uri="{C572A759-6A51-4108-AA02-DFA0A04FC94B}">
+              <ma14:wrappingTextBoxFlag xmlns:ma14="http://schemas.microsoft.com/office/mac/drawingml/2011/main" val="1"/>
+            </a:ext>
+          </a:extLst>
+        </p:spPr>
+        <p:txBody>
+          <a:bodyPr lIns="50800" tIns="50800" rIns="50800" bIns="50800" anchor="ctr">
+            <a:spAutoFit/>
+          </a:bodyPr>
+          <a:lstStyle>
+            <a:lvl1pPr algn="l">
+              <a:defRPr sz="1400"/>
+            </a:lvl1pPr>
+          </a:lstStyle>
+          <a:p>
+            <a:pPr/>
+            <a:r>
+              <a:t>Copyright: Nerdeez LTD ®</a:t>
+            </a:r>
+          </a:p>
+        </p:txBody>
+      </p:sp>
+      <p:sp>
+        <p:nvSpPr>
+          <p:cNvPr id="368" name="In this lesson we covered the patterns we use on an express application…"/>
           <p:cNvSpPr txBox="1"/>
           <p:nvPr/>
         </p:nvSpPr>
